--- a/ppt/8.Random variable.pptx
+++ b/ppt/8.Random variable.pptx
@@ -262,7 +262,7 @@
           <a:p>
             <a:fld id="{5F8DBFCE-CD1D-48F9-97FC-34C65A029506}" type="datetimeFigureOut">
               <a:rPr lang="ko-KR" altLang="en-US" smtClean="0"/>
-              <a:t>2016-05-11</a:t>
+              <a:t>2017-05-10</a:t>
             </a:fld>
             <a:endParaRPr lang="ko-KR" altLang="en-US"/>
           </a:p>
@@ -432,7 +432,7 @@
           <a:p>
             <a:fld id="{5F8DBFCE-CD1D-48F9-97FC-34C65A029506}" type="datetimeFigureOut">
               <a:rPr lang="ko-KR" altLang="en-US" smtClean="0"/>
-              <a:t>2016-05-11</a:t>
+              <a:t>2017-05-10</a:t>
             </a:fld>
             <a:endParaRPr lang="ko-KR" altLang="en-US"/>
           </a:p>
@@ -612,7 +612,7 @@
           <a:p>
             <a:fld id="{5F8DBFCE-CD1D-48F9-97FC-34C65A029506}" type="datetimeFigureOut">
               <a:rPr lang="ko-KR" altLang="en-US" smtClean="0"/>
-              <a:t>2016-05-11</a:t>
+              <a:t>2017-05-10</a:t>
             </a:fld>
             <a:endParaRPr lang="ko-KR" altLang="en-US"/>
           </a:p>
@@ -782,7 +782,7 @@
           <a:p>
             <a:fld id="{5F8DBFCE-CD1D-48F9-97FC-34C65A029506}" type="datetimeFigureOut">
               <a:rPr lang="ko-KR" altLang="en-US" smtClean="0"/>
-              <a:t>2016-05-11</a:t>
+              <a:t>2017-05-10</a:t>
             </a:fld>
             <a:endParaRPr lang="ko-KR" altLang="en-US"/>
           </a:p>
@@ -1028,7 +1028,7 @@
           <a:p>
             <a:fld id="{5F8DBFCE-CD1D-48F9-97FC-34C65A029506}" type="datetimeFigureOut">
               <a:rPr lang="ko-KR" altLang="en-US" smtClean="0"/>
-              <a:t>2016-05-11</a:t>
+              <a:t>2017-05-10</a:t>
             </a:fld>
             <a:endParaRPr lang="ko-KR" altLang="en-US"/>
           </a:p>
@@ -1260,7 +1260,7 @@
           <a:p>
             <a:fld id="{5F8DBFCE-CD1D-48F9-97FC-34C65A029506}" type="datetimeFigureOut">
               <a:rPr lang="ko-KR" altLang="en-US" smtClean="0"/>
-              <a:t>2016-05-11</a:t>
+              <a:t>2017-05-10</a:t>
             </a:fld>
             <a:endParaRPr lang="ko-KR" altLang="en-US"/>
           </a:p>
@@ -1627,7 +1627,7 @@
           <a:p>
             <a:fld id="{5F8DBFCE-CD1D-48F9-97FC-34C65A029506}" type="datetimeFigureOut">
               <a:rPr lang="ko-KR" altLang="en-US" smtClean="0"/>
-              <a:t>2016-05-11</a:t>
+              <a:t>2017-05-10</a:t>
             </a:fld>
             <a:endParaRPr lang="ko-KR" altLang="en-US"/>
           </a:p>
@@ -1745,7 +1745,7 @@
           <a:p>
             <a:fld id="{5F8DBFCE-CD1D-48F9-97FC-34C65A029506}" type="datetimeFigureOut">
               <a:rPr lang="ko-KR" altLang="en-US" smtClean="0"/>
-              <a:t>2016-05-11</a:t>
+              <a:t>2017-05-10</a:t>
             </a:fld>
             <a:endParaRPr lang="ko-KR" altLang="en-US"/>
           </a:p>
@@ -1840,7 +1840,7 @@
           <a:p>
             <a:fld id="{5F8DBFCE-CD1D-48F9-97FC-34C65A029506}" type="datetimeFigureOut">
               <a:rPr lang="ko-KR" altLang="en-US" smtClean="0"/>
-              <a:t>2016-05-11</a:t>
+              <a:t>2017-05-10</a:t>
             </a:fld>
             <a:endParaRPr lang="ko-KR" altLang="en-US"/>
           </a:p>
@@ -2117,7 +2117,7 @@
           <a:p>
             <a:fld id="{5F8DBFCE-CD1D-48F9-97FC-34C65A029506}" type="datetimeFigureOut">
               <a:rPr lang="ko-KR" altLang="en-US" smtClean="0"/>
-              <a:t>2016-05-11</a:t>
+              <a:t>2017-05-10</a:t>
             </a:fld>
             <a:endParaRPr lang="ko-KR" altLang="en-US"/>
           </a:p>
@@ -2370,7 +2370,7 @@
           <a:p>
             <a:fld id="{5F8DBFCE-CD1D-48F9-97FC-34C65A029506}" type="datetimeFigureOut">
               <a:rPr lang="ko-KR" altLang="en-US" smtClean="0"/>
-              <a:t>2016-05-11</a:t>
+              <a:t>2017-05-10</a:t>
             </a:fld>
             <a:endParaRPr lang="ko-KR" altLang="en-US"/>
           </a:p>
@@ -2583,7 +2583,7 @@
           <a:p>
             <a:fld id="{5F8DBFCE-CD1D-48F9-97FC-34C65A029506}" type="datetimeFigureOut">
               <a:rPr lang="ko-KR" altLang="en-US" smtClean="0"/>
-              <a:t>2016-05-11</a:t>
+              <a:t>2017-05-10</a:t>
             </a:fld>
             <a:endParaRPr lang="ko-KR" altLang="en-US"/>
           </a:p>
@@ -3470,8 +3470,8 @@
           </a:p>
         </p:txBody>
       </p:sp>
-      <mc:AlternateContent xmlns:mc="http://schemas.openxmlformats.org/markup-compatibility/2006">
-        <mc:Choice xmlns:a14="http://schemas.microsoft.com/office/drawing/2010/main" Requires="a14">
+      <mc:AlternateContent xmlns:mc="http://schemas.openxmlformats.org/markup-compatibility/2006" xmlns:a14="http://schemas.microsoft.com/office/drawing/2010/main">
+        <mc:Choice Requires="a14">
           <p:sp>
             <p:nvSpPr>
               <p:cNvPr id="3" name="내용 개체 틀 2"/>
@@ -4207,7 +4207,7 @@
             </p:txBody>
           </p:sp>
         </mc:Choice>
-        <mc:Fallback>
+        <mc:Fallback xmlns="">
           <p:sp>
             <p:nvSpPr>
               <p:cNvPr id="3" name="내용 개체 틀 2"/>
@@ -8458,8 +8458,8 @@
           </a:p>
         </p:txBody>
       </p:sp>
-      <mc:AlternateContent xmlns:mc="http://schemas.openxmlformats.org/markup-compatibility/2006" xmlns:a14="http://schemas.microsoft.com/office/drawing/2010/main">
-        <mc:Choice Requires="a14">
+      <mc:AlternateContent xmlns:mc="http://schemas.openxmlformats.org/markup-compatibility/2006">
+        <mc:Choice xmlns:a14="http://schemas.microsoft.com/office/drawing/2010/main" Requires="a14">
           <p:sp>
             <p:nvSpPr>
               <p:cNvPr id="3" name="내용 개체 틀 2"/>
@@ -8782,7 +8782,7 @@
                           <a:rPr lang="en-US" altLang="ko-KR" b="0" i="1" dirty="0" smtClean="0">
                             <a:latin typeface="Cambria Math" panose="02040503050406030204" pitchFamily="18" charset="0"/>
                           </a:rPr>
-                          <m:t>=</m:t>
+                          <m:t>∈</m:t>
                         </m:r>
                         <m:r>
                           <a:rPr lang="en-US" altLang="ko-KR" b="0" i="1" dirty="0" smtClean="0">
@@ -8875,7 +8875,7 @@
                           <a:rPr lang="en-US" altLang="ko-KR" b="0" i="1" dirty="0" smtClean="0">
                             <a:latin typeface="Cambria Math" panose="02040503050406030204" pitchFamily="18" charset="0"/>
                           </a:rPr>
-                          <m:t>=</m:t>
+                          <m:t>∈</m:t>
                         </m:r>
                         <m:r>
                           <a:rPr lang="en-US" altLang="ko-KR" b="0" i="1" dirty="0" smtClean="0">
@@ -9031,7 +9031,7 @@
             </p:txBody>
           </p:sp>
         </mc:Choice>
-        <mc:Fallback xmlns="">
+        <mc:Fallback>
           <p:sp>
             <p:nvSpPr>
               <p:cNvPr id="3" name="내용 개체 틀 2"/>
@@ -12203,11 +12203,7 @@
                 </a14:m>
                 <a:r>
                   <a:rPr lang="en-US" altLang="ko-KR" dirty="0" smtClean="0"/>
-                  <a:t> is the probability density function</a:t>
-                </a:r>
-                <a:r>
-                  <a:rPr lang="en-US" altLang="ko-KR" dirty="0" smtClean="0"/>
-                  <a:t>.</a:t>
+                  <a:t> is the probability density function.</a:t>
                 </a:r>
                 <a:br>
                   <a:rPr lang="en-US" altLang="ko-KR" dirty="0" smtClean="0"/>
@@ -12244,25 +12240,25 @@
                           </a:rPr>
                           <m:t>′</m:t>
                         </m:r>
-                        <m:d>
-                          <m:dPr>
-                            <m:ctrlPr>
-                              <a:rPr lang="en-US" altLang="ko-KR" b="0" i="1" smtClean="0">
-                                <a:latin typeface="Cambria Math" panose="02040503050406030204" pitchFamily="18" charset="0"/>
-                              </a:rPr>
-                            </m:ctrlPr>
-                          </m:dPr>
-                          <m:e>
-                            <m:r>
-                              <a:rPr lang="en-US" altLang="ko-KR" b="0" i="1" smtClean="0">
-                                <a:latin typeface="Cambria Math" panose="02040503050406030204" pitchFamily="18" charset="0"/>
-                              </a:rPr>
-                              <m:t>𝑦</m:t>
-                            </m:r>
-                          </m:e>
-                        </m:d>
                       </m:sup>
                     </m:sSup>
+                    <m:d>
+                      <m:dPr>
+                        <m:ctrlPr>
+                          <a:rPr lang="en-US" altLang="ko-KR" i="1">
+                            <a:latin typeface="Cambria Math" panose="02040503050406030204" pitchFamily="18" charset="0"/>
+                          </a:rPr>
+                        </m:ctrlPr>
+                      </m:dPr>
+                      <m:e>
+                        <m:r>
+                          <a:rPr lang="en-US" altLang="ko-KR" i="1">
+                            <a:latin typeface="Cambria Math" panose="02040503050406030204" pitchFamily="18" charset="0"/>
+                          </a:rPr>
+                          <m:t>𝑦</m:t>
+                        </m:r>
+                      </m:e>
+                    </m:d>
                     <m:r>
                       <a:rPr lang="en-US" altLang="ko-KR" b="0" i="1" smtClean="0">
                         <a:latin typeface="Cambria Math" panose="02040503050406030204" pitchFamily="18" charset="0"/>
@@ -12567,8 +12563,8 @@
           </a:p>
         </p:txBody>
       </p:sp>
-      <mc:AlternateContent xmlns:mc="http://schemas.openxmlformats.org/markup-compatibility/2006" xmlns:a14="http://schemas.microsoft.com/office/drawing/2010/main">
-        <mc:Choice Requires="a14">
+      <mc:AlternateContent xmlns:mc="http://schemas.openxmlformats.org/markup-compatibility/2006">
+        <mc:Choice xmlns:a14="http://schemas.microsoft.com/office/drawing/2010/main" Requires="a14">
           <p:sp>
             <p:nvSpPr>
               <p:cNvPr id="6" name="내용 개체 틀 5"/>
@@ -12732,7 +12728,7 @@
                       <a:rPr lang="en-US" altLang="ko-KR" b="0" i="1" smtClean="0">
                         <a:latin typeface="Cambria Math" panose="02040503050406030204" pitchFamily="18" charset="0"/>
                       </a:rPr>
-                      <m:t>𝑋</m:t>
+                      <m:t>𝑌</m:t>
                     </m:r>
                     <m:r>
                       <a:rPr lang="en-US" altLang="ko-KR" b="0" i="1" smtClean="0">
@@ -12832,7 +12828,7 @@
             </p:txBody>
           </p:sp>
         </mc:Choice>
-        <mc:Fallback xmlns="">
+        <mc:Fallback>
           <p:sp>
             <p:nvSpPr>
               <p:cNvPr id="6" name="내용 개체 틀 5"/>
@@ -12919,8 +12915,8 @@
           </a:p>
         </p:txBody>
       </p:sp>
-      <mc:AlternateContent xmlns:mc="http://schemas.openxmlformats.org/markup-compatibility/2006">
-        <mc:Choice xmlns:a14="http://schemas.microsoft.com/office/drawing/2010/main" Requires="a14">
+      <mc:AlternateContent xmlns:mc="http://schemas.openxmlformats.org/markup-compatibility/2006" xmlns:a14="http://schemas.microsoft.com/office/drawing/2010/main">
+        <mc:Choice Requires="a14">
           <p:sp>
             <p:nvSpPr>
               <p:cNvPr id="3" name="내용 개체 틀 2"/>
@@ -13321,11 +13317,7 @@
                 </a14:m>
                 <a:r>
                   <a:rPr lang="en-US" altLang="ko-KR" sz="2600" dirty="0" smtClean="0"/>
-                  <a:t> </a:t>
-                </a:r>
-                <a:r>
-                  <a:rPr lang="en-US" altLang="ko-KR" sz="2600" dirty="0" smtClean="0"/>
-                  <a:t>using</a:t>
+                  <a:t> using</a:t>
                 </a:r>
                 <a:br>
                   <a:rPr lang="en-US" altLang="ko-KR" sz="2600" dirty="0" smtClean="0"/>
@@ -13661,7 +13653,7 @@
             </p:txBody>
           </p:sp>
         </mc:Choice>
-        <mc:Fallback>
+        <mc:Fallback xmlns="">
           <p:sp>
             <p:nvSpPr>
               <p:cNvPr id="3" name="내용 개체 틀 2"/>
@@ -13748,8 +13740,8 @@
           </a:p>
         </p:txBody>
       </p:sp>
-      <mc:AlternateContent xmlns:mc="http://schemas.openxmlformats.org/markup-compatibility/2006">
-        <mc:Choice xmlns:a14="http://schemas.microsoft.com/office/drawing/2010/main" Requires="a14">
+      <mc:AlternateContent xmlns:mc="http://schemas.openxmlformats.org/markup-compatibility/2006" xmlns:a14="http://schemas.microsoft.com/office/drawing/2010/main">
+        <mc:Choice Requires="a14">
           <p:sp>
             <p:nvSpPr>
               <p:cNvPr id="3" name="내용 개체 틀 2"/>
@@ -14397,7 +14389,7 @@
             </p:txBody>
           </p:sp>
         </mc:Choice>
-        <mc:Fallback>
+        <mc:Fallback xmlns="">
           <p:sp>
             <p:nvSpPr>
               <p:cNvPr id="3" name="내용 개체 틀 2"/>

--- a/ppt/8.Random variable.pptx
+++ b/ppt/8.Random variable.pptx
@@ -262,7 +262,7 @@
           <a:p>
             <a:fld id="{5F8DBFCE-CD1D-48F9-97FC-34C65A029506}" type="datetimeFigureOut">
               <a:rPr lang="ko-KR" altLang="en-US" smtClean="0"/>
-              <a:t>2017-05-10</a:t>
+              <a:t>2017-05-17</a:t>
             </a:fld>
             <a:endParaRPr lang="ko-KR" altLang="en-US"/>
           </a:p>
@@ -432,7 +432,7 @@
           <a:p>
             <a:fld id="{5F8DBFCE-CD1D-48F9-97FC-34C65A029506}" type="datetimeFigureOut">
               <a:rPr lang="ko-KR" altLang="en-US" smtClean="0"/>
-              <a:t>2017-05-10</a:t>
+              <a:t>2017-05-17</a:t>
             </a:fld>
             <a:endParaRPr lang="ko-KR" altLang="en-US"/>
           </a:p>
@@ -612,7 +612,7 @@
           <a:p>
             <a:fld id="{5F8DBFCE-CD1D-48F9-97FC-34C65A029506}" type="datetimeFigureOut">
               <a:rPr lang="ko-KR" altLang="en-US" smtClean="0"/>
-              <a:t>2017-05-10</a:t>
+              <a:t>2017-05-17</a:t>
             </a:fld>
             <a:endParaRPr lang="ko-KR" altLang="en-US"/>
           </a:p>
@@ -782,7 +782,7 @@
           <a:p>
             <a:fld id="{5F8DBFCE-CD1D-48F9-97FC-34C65A029506}" type="datetimeFigureOut">
               <a:rPr lang="ko-KR" altLang="en-US" smtClean="0"/>
-              <a:t>2017-05-10</a:t>
+              <a:t>2017-05-17</a:t>
             </a:fld>
             <a:endParaRPr lang="ko-KR" altLang="en-US"/>
           </a:p>
@@ -1028,7 +1028,7 @@
           <a:p>
             <a:fld id="{5F8DBFCE-CD1D-48F9-97FC-34C65A029506}" type="datetimeFigureOut">
               <a:rPr lang="ko-KR" altLang="en-US" smtClean="0"/>
-              <a:t>2017-05-10</a:t>
+              <a:t>2017-05-17</a:t>
             </a:fld>
             <a:endParaRPr lang="ko-KR" altLang="en-US"/>
           </a:p>
@@ -1260,7 +1260,7 @@
           <a:p>
             <a:fld id="{5F8DBFCE-CD1D-48F9-97FC-34C65A029506}" type="datetimeFigureOut">
               <a:rPr lang="ko-KR" altLang="en-US" smtClean="0"/>
-              <a:t>2017-05-10</a:t>
+              <a:t>2017-05-17</a:t>
             </a:fld>
             <a:endParaRPr lang="ko-KR" altLang="en-US"/>
           </a:p>
@@ -1627,7 +1627,7 @@
           <a:p>
             <a:fld id="{5F8DBFCE-CD1D-48F9-97FC-34C65A029506}" type="datetimeFigureOut">
               <a:rPr lang="ko-KR" altLang="en-US" smtClean="0"/>
-              <a:t>2017-05-10</a:t>
+              <a:t>2017-05-17</a:t>
             </a:fld>
             <a:endParaRPr lang="ko-KR" altLang="en-US"/>
           </a:p>
@@ -1745,7 +1745,7 @@
           <a:p>
             <a:fld id="{5F8DBFCE-CD1D-48F9-97FC-34C65A029506}" type="datetimeFigureOut">
               <a:rPr lang="ko-KR" altLang="en-US" smtClean="0"/>
-              <a:t>2017-05-10</a:t>
+              <a:t>2017-05-17</a:t>
             </a:fld>
             <a:endParaRPr lang="ko-KR" altLang="en-US"/>
           </a:p>
@@ -1840,7 +1840,7 @@
           <a:p>
             <a:fld id="{5F8DBFCE-CD1D-48F9-97FC-34C65A029506}" type="datetimeFigureOut">
               <a:rPr lang="ko-KR" altLang="en-US" smtClean="0"/>
-              <a:t>2017-05-10</a:t>
+              <a:t>2017-05-17</a:t>
             </a:fld>
             <a:endParaRPr lang="ko-KR" altLang="en-US"/>
           </a:p>
@@ -2117,7 +2117,7 @@
           <a:p>
             <a:fld id="{5F8DBFCE-CD1D-48F9-97FC-34C65A029506}" type="datetimeFigureOut">
               <a:rPr lang="ko-KR" altLang="en-US" smtClean="0"/>
-              <a:t>2017-05-10</a:t>
+              <a:t>2017-05-17</a:t>
             </a:fld>
             <a:endParaRPr lang="ko-KR" altLang="en-US"/>
           </a:p>
@@ -2370,7 +2370,7 @@
           <a:p>
             <a:fld id="{5F8DBFCE-CD1D-48F9-97FC-34C65A029506}" type="datetimeFigureOut">
               <a:rPr lang="ko-KR" altLang="en-US" smtClean="0"/>
-              <a:t>2017-05-10</a:t>
+              <a:t>2017-05-17</a:t>
             </a:fld>
             <a:endParaRPr lang="ko-KR" altLang="en-US"/>
           </a:p>
@@ -2583,7 +2583,7 @@
           <a:p>
             <a:fld id="{5F8DBFCE-CD1D-48F9-97FC-34C65A029506}" type="datetimeFigureOut">
               <a:rPr lang="ko-KR" altLang="en-US" smtClean="0"/>
-              <a:t>2017-05-10</a:t>
+              <a:t>2017-05-17</a:t>
             </a:fld>
             <a:endParaRPr lang="ko-KR" altLang="en-US"/>
           </a:p>
@@ -5038,7 +5038,12 @@
             <p:ph type="title"/>
           </p:nvPr>
         </p:nvSpPr>
-        <p:spPr/>
+        <p:spPr>
+          <a:xfrm>
+            <a:off x="838200" y="365126"/>
+            <a:ext cx="10515600" cy="1101210"/>
+          </a:xfrm>
+        </p:spPr>
         <p:txBody>
           <a:bodyPr/>
           <a:lstStyle/>
@@ -5051,8 +5056,8 @@
           </a:p>
         </p:txBody>
       </p:sp>
-      <mc:AlternateContent xmlns:mc="http://schemas.openxmlformats.org/markup-compatibility/2006" xmlns:a14="http://schemas.microsoft.com/office/drawing/2010/main">
-        <mc:Choice Requires="a14">
+      <mc:AlternateContent xmlns:mc="http://schemas.openxmlformats.org/markup-compatibility/2006">
+        <mc:Choice xmlns:a14="http://schemas.microsoft.com/office/drawing/2010/main" Requires="a14">
           <p:sp>
             <p:nvSpPr>
               <p:cNvPr id="3" name="내용 개체 틀 2"/>
@@ -5063,10 +5068,15 @@
                 <p:ph idx="1"/>
               </p:nvPr>
             </p:nvSpPr>
-            <p:spPr/>
+            <p:spPr>
+              <a:xfrm>
+                <a:off x="838200" y="1581665"/>
+                <a:ext cx="10515600" cy="4595298"/>
+              </a:xfrm>
+            </p:spPr>
             <p:txBody>
               <a:bodyPr>
-                <a:normAutofit lnSpcReduction="10000"/>
+                <a:normAutofit/>
               </a:bodyPr>
               <a:lstStyle/>
               <a:p>
@@ -5482,7 +5492,7 @@
             </p:txBody>
           </p:sp>
         </mc:Choice>
-        <mc:Fallback xmlns="">
+        <mc:Fallback>
           <p:sp>
             <p:nvSpPr>
               <p:cNvPr id="3" name="내용 개체 틀 2"/>
@@ -5494,10 +5504,14 @@
               </p:nvPr>
             </p:nvSpPr>
             <p:spPr>
+              <a:xfrm>
+                <a:off x="838200" y="1581665"/>
+                <a:ext cx="10515600" cy="4595298"/>
+              </a:xfrm>
               <a:blipFill rotWithShape="0">
                 <a:blip r:embed="rId2"/>
                 <a:stretch>
-                  <a:fillRect l="-638" t="-2101"/>
+                  <a:fillRect l="-638" t="-1326"/>
                 </a:stretch>
               </a:blipFill>
             </p:spPr>
@@ -5893,8 +5907,8 @@
           </a:p>
         </p:txBody>
       </p:sp>
-      <mc:AlternateContent xmlns:mc="http://schemas.openxmlformats.org/markup-compatibility/2006" xmlns:a14="http://schemas.microsoft.com/office/drawing/2010/main">
-        <mc:Choice Requires="a14">
+      <mc:AlternateContent xmlns:mc="http://schemas.openxmlformats.org/markup-compatibility/2006">
+        <mc:Choice xmlns:a14="http://schemas.microsoft.com/office/drawing/2010/main" Requires="a14">
           <p:sp>
             <p:nvSpPr>
               <p:cNvPr id="3" name="내용 개체 틀 2"/>
@@ -6277,10 +6291,13 @@
                       <m:t> </m:t>
                     </m:r>
                     <m:r>
-                      <a:rPr lang="en-US" altLang="ko-KR" b="0" i="1" smtClean="0">
-                        <a:latin typeface="Cambria Math" panose="02040503050406030204" pitchFamily="18" charset="0"/>
-                      </a:rPr>
-                      <m:t>𝑖𝑓</m:t>
+                      <m:rPr>
+                        <m:nor/>
+                      </m:rPr>
+                      <a:rPr lang="en-US" altLang="ko-KR" b="0" i="0" smtClean="0">
+                        <a:latin typeface="Cambria Math" panose="02040503050406030204" pitchFamily="18" charset="0"/>
+                      </a:rPr>
+                      <m:t>if</m:t>
                     </m:r>
                     <m:r>
                       <a:rPr lang="en-US" altLang="ko-KR" b="0" i="1" smtClean="0">
@@ -6794,7 +6811,7 @@
             </p:txBody>
           </p:sp>
         </mc:Choice>
-        <mc:Fallback xmlns="">
+        <mc:Fallback>
           <p:sp>
             <p:nvSpPr>
               <p:cNvPr id="3" name="내용 개체 틀 2"/>
@@ -6868,7 +6885,12 @@
             <p:ph type="title"/>
           </p:nvPr>
         </p:nvSpPr>
-        <p:spPr/>
+        <p:spPr>
+          <a:xfrm>
+            <a:off x="838200" y="365126"/>
+            <a:ext cx="10515600" cy="1010594"/>
+          </a:xfrm>
+        </p:spPr>
         <p:txBody>
           <a:bodyPr/>
           <a:lstStyle/>
@@ -6881,8 +6903,8 @@
           </a:p>
         </p:txBody>
       </p:sp>
-      <mc:AlternateContent xmlns:mc="http://schemas.openxmlformats.org/markup-compatibility/2006" xmlns:a14="http://schemas.microsoft.com/office/drawing/2010/main">
-        <mc:Choice Requires="a14">
+      <mc:AlternateContent xmlns:mc="http://schemas.openxmlformats.org/markup-compatibility/2006">
+        <mc:Choice xmlns:a14="http://schemas.microsoft.com/office/drawing/2010/main" Requires="a14">
           <p:sp>
             <p:nvSpPr>
               <p:cNvPr id="3" name="내용 개체 틀 2"/>
@@ -6893,10 +6915,15 @@
                 <p:ph idx="1"/>
               </p:nvPr>
             </p:nvSpPr>
-            <p:spPr/>
+            <p:spPr>
+              <a:xfrm>
+                <a:off x="838200" y="1466335"/>
+                <a:ext cx="10768914" cy="4710628"/>
+              </a:xfrm>
+            </p:spPr>
             <p:txBody>
               <a:bodyPr>
-                <a:normAutofit fontScale="92500" lnSpcReduction="20000"/>
+                <a:normAutofit fontScale="92500" lnSpcReduction="10000"/>
               </a:bodyPr>
               <a:lstStyle/>
               <a:p>
@@ -6964,7 +6991,52 @@
               <a:p>
                 <a:r>
                   <a:rPr lang="en-US" altLang="ko-KR" dirty="0" smtClean="0"/>
-                  <a:t>For example, if Y tends to be above its mean when is, then </a:t>
+                  <a:t>For example, if </a:t>
+                </a:r>
+                <a14:m>
+                  <m:oMath xmlns:m="http://schemas.openxmlformats.org/officeDocument/2006/math">
+                    <m:r>
+                      <a:rPr lang="en-US" altLang="ko-KR" i="1" dirty="0">
+                        <a:latin typeface="Cambria Math" panose="02040503050406030204" pitchFamily="18" charset="0"/>
+                      </a:rPr>
+                      <m:t>𝑌</m:t>
+                    </m:r>
+                  </m:oMath>
+                </a14:m>
+                <a:r>
+                  <a:rPr lang="en-US" altLang="ko-KR" dirty="0" smtClean="0"/>
+                  <a:t> tends to be above its mean when </a:t>
+                </a:r>
+                <a14:m>
+                  <m:oMath xmlns:m="http://schemas.openxmlformats.org/officeDocument/2006/math">
+                    <m:r>
+                      <a:rPr lang="en-US" altLang="ko-KR" i="1" dirty="0">
+                        <a:latin typeface="Cambria Math" panose="02040503050406030204" pitchFamily="18" charset="0"/>
+                      </a:rPr>
+                      <m:t>𝑋</m:t>
+                    </m:r>
+                    <m:r>
+                      <a:rPr lang="en-US" altLang="ko-KR" i="1" dirty="0">
+                        <a:latin typeface="Cambria Math" panose="02040503050406030204" pitchFamily="18" charset="0"/>
+                      </a:rPr>
+                      <m:t> </m:t>
+                    </m:r>
+                  </m:oMath>
+                </a14:m>
+                <a:r>
+                  <a:rPr lang="en-US" altLang="ko-KR" dirty="0"/>
+                  <a:t>is above its </a:t>
+                </a:r>
+                <a:r>
+                  <a:rPr lang="en-US" altLang="ko-KR" dirty="0" smtClean="0"/>
+                  <a:t>mean, </a:t>
+                </a:r>
+              </a:p>
+              <a:p>
+                <a:pPr lvl="1"/>
+                <a:r>
+                  <a:rPr lang="en-US" altLang="ko-KR" sz="2600" dirty="0" smtClean="0"/>
+                  <a:t>then </a:t>
                 </a:r>
                 <a14:m>
                   <m:oMath xmlns:m="http://schemas.openxmlformats.org/officeDocument/2006/math">
@@ -6972,7 +7044,7 @@
                       <m:rPr>
                         <m:nor/>
                       </m:rPr>
-                      <a:rPr lang="en-US" altLang="ko-KR" b="0" i="0" smtClean="0">
+                      <a:rPr lang="en-US" altLang="ko-KR" sz="2600" b="0" i="0" smtClean="0">
                         <a:latin typeface="Cambria Math" panose="02040503050406030204" pitchFamily="18" charset="0"/>
                       </a:rPr>
                       <m:t>Cov</m:t>
@@ -6980,26 +7052,26 @@
                     <m:d>
                       <m:dPr>
                         <m:ctrlPr>
-                          <a:rPr lang="en-US" altLang="ko-KR" b="0" i="1" smtClean="0">
+                          <a:rPr lang="en-US" altLang="ko-KR" sz="2600" b="0" i="1" smtClean="0">
                             <a:latin typeface="Cambria Math" panose="02040503050406030204" pitchFamily="18" charset="0"/>
                           </a:rPr>
                         </m:ctrlPr>
                       </m:dPr>
                       <m:e>
                         <m:r>
-                          <a:rPr lang="en-US" altLang="ko-KR" b="0" i="1" smtClean="0">
+                          <a:rPr lang="en-US" altLang="ko-KR" sz="2600" b="0" i="1" smtClean="0">
                             <a:latin typeface="Cambria Math" panose="02040503050406030204" pitchFamily="18" charset="0"/>
                           </a:rPr>
                           <m:t>𝑋</m:t>
                         </m:r>
                         <m:r>
-                          <a:rPr lang="en-US" altLang="ko-KR" b="0" i="1" smtClean="0">
+                          <a:rPr lang="en-US" altLang="ko-KR" sz="2600" b="0" i="1" smtClean="0">
                             <a:latin typeface="Cambria Math" panose="02040503050406030204" pitchFamily="18" charset="0"/>
                           </a:rPr>
                           <m:t>,</m:t>
                         </m:r>
                         <m:r>
-                          <a:rPr lang="en-US" altLang="ko-KR" b="0" i="1" smtClean="0">
+                          <a:rPr lang="en-US" altLang="ko-KR" sz="2600" b="0" i="1" smtClean="0">
                             <a:latin typeface="Cambria Math" panose="02040503050406030204" pitchFamily="18" charset="0"/>
                           </a:rPr>
                           <m:t>𝑌</m:t>
@@ -7009,24 +7081,24 @@
                   </m:oMath>
                 </a14:m>
                 <a:r>
-                  <a:rPr lang="ko-KR" altLang="en-US" dirty="0" smtClean="0"/>
+                  <a:rPr lang="ko-KR" altLang="en-US" sz="2600" dirty="0" smtClean="0"/>
                   <a:t> </a:t>
                 </a:r>
                 <a:r>
-                  <a:rPr lang="en-US" altLang="ko-KR" dirty="0" smtClean="0"/>
+                  <a:rPr lang="en-US" altLang="ko-KR" sz="2600" dirty="0" smtClean="0"/>
                   <a:t>will be positive and the variance of the sum will be increase.</a:t>
                 </a:r>
               </a:p>
               <a:p>
                 <a:pPr lvl="1"/>
                 <a:r>
-                  <a:rPr lang="en-US" altLang="ko-KR" dirty="0" smtClean="0"/>
+                  <a:rPr lang="en-US" altLang="ko-KR" sz="2600" dirty="0" smtClean="0"/>
                   <a:t>We call </a:t>
                 </a:r>
                 <a14:m>
                   <m:oMath xmlns:m="http://schemas.openxmlformats.org/officeDocument/2006/math">
                     <m:r>
-                      <a:rPr lang="en-US" altLang="ko-KR" i="1" dirty="0" smtClean="0">
+                      <a:rPr lang="en-US" altLang="ko-KR" sz="2600" i="1" dirty="0" smtClean="0">
                         <a:latin typeface="Cambria Math" panose="02040503050406030204" pitchFamily="18" charset="0"/>
                       </a:rPr>
                       <m:t>𝑋</m:t>
@@ -7034,13 +7106,13 @@
                   </m:oMath>
                 </a14:m>
                 <a:r>
-                  <a:rPr lang="en-US" altLang="ko-KR" dirty="0" smtClean="0"/>
+                  <a:rPr lang="en-US" altLang="ko-KR" sz="2600" dirty="0" smtClean="0"/>
                   <a:t> and </a:t>
                 </a:r>
                 <a14:m>
                   <m:oMath xmlns:m="http://schemas.openxmlformats.org/officeDocument/2006/math">
                     <m:r>
-                      <a:rPr lang="en-US" altLang="ko-KR" i="1" dirty="0" smtClean="0">
+                      <a:rPr lang="en-US" altLang="ko-KR" sz="2600" i="1" dirty="0" smtClean="0">
                         <a:latin typeface="Cambria Math" panose="02040503050406030204" pitchFamily="18" charset="0"/>
                       </a:rPr>
                       <m:t>𝑌</m:t>
@@ -7048,7 +7120,7 @@
                   </m:oMath>
                 </a14:m>
                 <a:r>
-                  <a:rPr lang="en-US" altLang="ko-KR" dirty="0" smtClean="0"/>
+                  <a:rPr lang="en-US" altLang="ko-KR" sz="2600" dirty="0" smtClean="0"/>
                   <a:t> positively correlated.</a:t>
                 </a:r>
               </a:p>
@@ -7335,7 +7407,7 @@
             </p:txBody>
           </p:sp>
         </mc:Choice>
-        <mc:Fallback xmlns="">
+        <mc:Fallback>
           <p:sp>
             <p:nvSpPr>
               <p:cNvPr id="3" name="내용 개체 틀 2"/>
@@ -7347,10 +7419,14 @@
               </p:nvPr>
             </p:nvSpPr>
             <p:spPr>
+              <a:xfrm>
+                <a:off x="838200" y="1466335"/>
+                <a:ext cx="10768914" cy="4710628"/>
+              </a:xfrm>
               <a:blipFill rotWithShape="0">
                 <a:blip r:embed="rId2"/>
                 <a:stretch>
-                  <a:fillRect l="-928" t="-3922"/>
+                  <a:fillRect l="-906" t="-2979" r="-1642"/>
                 </a:stretch>
               </a:blipFill>
             </p:spPr>
@@ -8458,8 +8534,8 @@
           </a:p>
         </p:txBody>
       </p:sp>
-      <mc:AlternateContent xmlns:mc="http://schemas.openxmlformats.org/markup-compatibility/2006">
-        <mc:Choice xmlns:a14="http://schemas.microsoft.com/office/drawing/2010/main" Requires="a14">
+      <mc:AlternateContent xmlns:mc="http://schemas.openxmlformats.org/markup-compatibility/2006" xmlns:a14="http://schemas.microsoft.com/office/drawing/2010/main">
+        <mc:Choice Requires="a14">
           <p:sp>
             <p:nvSpPr>
               <p:cNvPr id="3" name="내용 개체 틀 2"/>
@@ -9031,7 +9107,7 @@
             </p:txBody>
           </p:sp>
         </mc:Choice>
-        <mc:Fallback>
+        <mc:Fallback xmlns="">
           <p:sp>
             <p:nvSpPr>
               <p:cNvPr id="3" name="내용 개체 틀 2"/>
@@ -9118,8 +9194,8 @@
           </a:p>
         </p:txBody>
       </p:sp>
-      <mc:AlternateContent xmlns:mc="http://schemas.openxmlformats.org/markup-compatibility/2006" xmlns:a14="http://schemas.microsoft.com/office/drawing/2010/main">
-        <mc:Choice Requires="a14">
+      <mc:AlternateContent xmlns:mc="http://schemas.openxmlformats.org/markup-compatibility/2006">
+        <mc:Choice xmlns:a14="http://schemas.microsoft.com/office/drawing/2010/main" Requires="a14">
           <p:sp>
             <p:nvSpPr>
               <p:cNvPr id="3" name="내용 개체 틀 2"/>
@@ -9252,6 +9328,13 @@
                 <a:r>
                   <a:rPr lang="en-US" altLang="ko-KR" dirty="0" smtClean="0"/>
                   <a:t>,</a:t>
+                </a:r>
+                <a:br>
+                  <a:rPr lang="en-US" altLang="ko-KR" dirty="0" smtClean="0"/>
+                </a:br>
+                <a:r>
+                  <a:rPr lang="en-US" altLang="ko-KR" dirty="0" smtClean="0"/>
+                  <a:t/>
                 </a:r>
                 <a:br>
                   <a:rPr lang="en-US" altLang="ko-KR" dirty="0" smtClean="0"/>
@@ -9368,9 +9451,16 @@
                 <a:endParaRPr lang="en-US" altLang="ko-KR" dirty="0" smtClean="0"/>
               </a:p>
               <a:p>
-                <a:r>
-                  <a:rPr lang="en-US" altLang="ko-KR" dirty="0" smtClean="0"/>
-                  <a:t>That is given a tolerance </a:t>
+                <a:endParaRPr lang="en-US" altLang="ko-KR" dirty="0" smtClean="0"/>
+              </a:p>
+              <a:p>
+                <a:r>
+                  <a:rPr lang="en-US" altLang="ko-KR" dirty="0" smtClean="0"/>
+                  <a:t>That </a:t>
+                </a:r>
+                <a:r>
+                  <a:rPr lang="en-US" altLang="ko-KR" dirty="0" smtClean="0"/>
+                  <a:t>is given a tolerance </a:t>
                 </a:r>
                 <a14:m>
                   <m:oMath xmlns:m="http://schemas.openxmlformats.org/officeDocument/2006/math">
@@ -9438,13 +9528,8 @@
                 </a14:m>
                 <a:r>
                   <a:rPr lang="en-US" altLang="ko-KR" dirty="0" smtClean="0"/>
-                  <a:t> gets as close to 1 as you like, as the sample </a:t>
-                </a:r>
-                <a:r>
-                  <a:rPr lang="en-US" altLang="ko-KR" smtClean="0"/>
-                  <a:t>size increases.</a:t>
-                </a:r>
-                <a:endParaRPr lang="en-US" altLang="ko-KR" dirty="0" smtClean="0"/>
+                  <a:t> gets as close to 1 as you like, as the sample size increases.</a:t>
+                </a:r>
               </a:p>
               <a:p>
                 <a:endParaRPr lang="ko-KR" altLang="en-US" dirty="0"/>
@@ -9452,7 +9537,7 @@
             </p:txBody>
           </p:sp>
         </mc:Choice>
-        <mc:Fallback xmlns="">
+        <mc:Fallback>
           <p:sp>
             <p:nvSpPr>
               <p:cNvPr id="3" name="내용 개체 틀 2"/>
@@ -11997,8 +12082,8 @@
           </a:p>
         </p:txBody>
       </p:sp>
-      <mc:AlternateContent xmlns:mc="http://schemas.openxmlformats.org/markup-compatibility/2006">
-        <mc:Choice xmlns:a14="http://schemas.microsoft.com/office/drawing/2010/main" Requires="a14">
+      <mc:AlternateContent xmlns:mc="http://schemas.openxmlformats.org/markup-compatibility/2006" xmlns:a14="http://schemas.microsoft.com/office/drawing/2010/main">
+        <mc:Choice Requires="a14">
           <p:sp>
             <p:nvSpPr>
               <p:cNvPr id="3" name="내용 개체 틀 2"/>
@@ -12446,7 +12531,7 @@
             </p:txBody>
           </p:sp>
         </mc:Choice>
-        <mc:Fallback>
+        <mc:Fallback xmlns="">
           <p:sp>
             <p:nvSpPr>
               <p:cNvPr id="3" name="내용 개체 틀 2"/>
@@ -12563,8 +12648,8 @@
           </a:p>
         </p:txBody>
       </p:sp>
-      <mc:AlternateContent xmlns:mc="http://schemas.openxmlformats.org/markup-compatibility/2006">
-        <mc:Choice xmlns:a14="http://schemas.microsoft.com/office/drawing/2010/main" Requires="a14">
+      <mc:AlternateContent xmlns:mc="http://schemas.openxmlformats.org/markup-compatibility/2006" xmlns:a14="http://schemas.microsoft.com/office/drawing/2010/main">
+        <mc:Choice Requires="a14">
           <p:sp>
             <p:nvSpPr>
               <p:cNvPr id="6" name="내용 개체 틀 5"/>
@@ -12828,7 +12913,7 @@
             </p:txBody>
           </p:sp>
         </mc:Choice>
-        <mc:Fallback>
+        <mc:Fallback xmlns="">
           <p:sp>
             <p:nvSpPr>
               <p:cNvPr id="6" name="내용 개체 틀 5"/>
